--- a/assets/img/hongkong01modification.pptx
+++ b/assets/img/hongkong01modification.pptx
@@ -1,11 +1,13 @@
 
 <file path=ppt/presentation.xml><?xml version="1.0" encoding="utf-8"?>
-<p:presentation xmlns:a="http://schemas.openxmlformats.org/drawingml/2006/main" xmlns:r="http://schemas.openxmlformats.org/officeDocument/2006/relationships" xmlns:p="http://schemas.openxmlformats.org/presentationml/2006/main" saveSubsetFonts="1">
+<p:presentation xmlns:a="http://schemas.openxmlformats.org/drawingml/2006/main" xmlns:r="http://schemas.openxmlformats.org/officeDocument/2006/relationships" xmlns:p="http://schemas.openxmlformats.org/presentationml/2006/main" saveSubsetFonts="1" autoCompressPictures="0">
   <p:sldMasterIdLst>
     <p:sldMasterId id="2147483648" r:id="rId1"/>
   </p:sldMasterIdLst>
   <p:sldIdLst>
     <p:sldId id="256" r:id="rId2"/>
+    <p:sldId id="257" r:id="rId3"/>
+    <p:sldId id="258" r:id="rId4"/>
   </p:sldIdLst>
   <p:sldSz cx="12192000" cy="6858000"/>
   <p:notesSz cx="6858000" cy="9144000"/>
@@ -104,20 +106,264 @@
       </a:defRPr>
     </a:lvl9pPr>
   </p:defaultTextStyle>
+  <p:extLst>
+    <p:ext uri="{EFAFB233-063F-42B5-8137-9DF3F51BA10A}">
+      <p15:sldGuideLst xmlns:p15="http://schemas.microsoft.com/office/powerpoint/2012/main"/>
+    </p:ext>
+  </p:extLst>
 </p:presentation>
 </file>
 
 <file path=ppt/changesInfos/changesInfo1.xml><?xml version="1.0" encoding="utf-8"?>
 <pc:chgInfo xmlns:a="http://schemas.openxmlformats.org/drawingml/2006/main" xmlns:r="http://schemas.openxmlformats.org/officeDocument/2006/relationships" xmlns:ac="http://schemas.microsoft.com/office/drawing/2013/main/command" xmlns:pc="http://schemas.microsoft.com/office/powerpoint/2013/main/command">
   <pc:docChgLst>
+    <pc:chgData name="Yang, Steven Chunmeng" userId="bd999a82-834e-4344-a348-02c119acaa38" providerId="ADAL" clId="{5DA8F44F-C0FD-4E7F-87E1-EC77D0A800B3}"/>
+    <pc:docChg chg="undo custSel addSld modSld">
+      <pc:chgData name="Yang, Steven Chunmeng" userId="bd999a82-834e-4344-a348-02c119acaa38" providerId="ADAL" clId="{5DA8F44F-C0FD-4E7F-87E1-EC77D0A800B3}" dt="2019-03-07T09:23:43.202" v="220" actId="1076"/>
+      <pc:docMkLst>
+        <pc:docMk/>
+      </pc:docMkLst>
+      <pc:sldChg chg="modSp">
+        <pc:chgData name="Yang, Steven Chunmeng" userId="bd999a82-834e-4344-a348-02c119acaa38" providerId="ADAL" clId="{5DA8F44F-C0FD-4E7F-87E1-EC77D0A800B3}" dt="2019-03-07T08:45:52.297" v="0" actId="1076"/>
+        <pc:sldMkLst>
+          <pc:docMk/>
+          <pc:sldMk cId="448449650" sldId="257"/>
+        </pc:sldMkLst>
+        <pc:picChg chg="mod">
+          <ac:chgData name="Yang, Steven Chunmeng" userId="bd999a82-834e-4344-a348-02c119acaa38" providerId="ADAL" clId="{5DA8F44F-C0FD-4E7F-87E1-EC77D0A800B3}" dt="2019-03-07T08:45:52.297" v="0" actId="1076"/>
+          <ac:picMkLst>
+            <pc:docMk/>
+            <pc:sldMk cId="448449650" sldId="257"/>
+            <ac:picMk id="5" creationId="{0CFF8845-9E1A-4B91-9AF3-382BC2042515}"/>
+          </ac:picMkLst>
+        </pc:picChg>
+      </pc:sldChg>
+      <pc:sldChg chg="addSp delSp modSp add">
+        <pc:chgData name="Yang, Steven Chunmeng" userId="bd999a82-834e-4344-a348-02c119acaa38" providerId="ADAL" clId="{5DA8F44F-C0FD-4E7F-87E1-EC77D0A800B3}" dt="2019-03-07T09:23:43.202" v="220" actId="1076"/>
+        <pc:sldMkLst>
+          <pc:docMk/>
+          <pc:sldMk cId="3672572356" sldId="258"/>
+        </pc:sldMkLst>
+        <pc:spChg chg="del">
+          <ac:chgData name="Yang, Steven Chunmeng" userId="bd999a82-834e-4344-a348-02c119acaa38" providerId="ADAL" clId="{5DA8F44F-C0FD-4E7F-87E1-EC77D0A800B3}" dt="2019-03-07T08:46:06.562" v="2" actId="478"/>
+          <ac:spMkLst>
+            <pc:docMk/>
+            <pc:sldMk cId="3672572356" sldId="258"/>
+            <ac:spMk id="2" creationId="{0EDA2621-639E-4C3E-8433-8A1363983F2E}"/>
+          </ac:spMkLst>
+        </pc:spChg>
+        <pc:spChg chg="del">
+          <ac:chgData name="Yang, Steven Chunmeng" userId="bd999a82-834e-4344-a348-02c119acaa38" providerId="ADAL" clId="{5DA8F44F-C0FD-4E7F-87E1-EC77D0A800B3}" dt="2019-03-07T08:46:06.562" v="2" actId="478"/>
+          <ac:spMkLst>
+            <pc:docMk/>
+            <pc:sldMk cId="3672572356" sldId="258"/>
+            <ac:spMk id="3" creationId="{44E98C95-4A4A-49C4-B1BD-1FAA1455B405}"/>
+          </ac:spMkLst>
+        </pc:spChg>
+        <pc:spChg chg="add mod">
+          <ac:chgData name="Yang, Steven Chunmeng" userId="bd999a82-834e-4344-a348-02c119acaa38" providerId="ADAL" clId="{5DA8F44F-C0FD-4E7F-87E1-EC77D0A800B3}" dt="2019-03-07T08:52:11.216" v="137" actId="164"/>
+          <ac:spMkLst>
+            <pc:docMk/>
+            <pc:sldMk cId="3672572356" sldId="258"/>
+            <ac:spMk id="6" creationId="{BB32AF2E-94DE-4D95-9746-EBEEE53C7908}"/>
+          </ac:spMkLst>
+        </pc:spChg>
+        <pc:spChg chg="add del mod">
+          <ac:chgData name="Yang, Steven Chunmeng" userId="bd999a82-834e-4344-a348-02c119acaa38" providerId="ADAL" clId="{5DA8F44F-C0FD-4E7F-87E1-EC77D0A800B3}" dt="2019-03-07T08:48:01.094" v="27" actId="478"/>
+          <ac:spMkLst>
+            <pc:docMk/>
+            <pc:sldMk cId="3672572356" sldId="258"/>
+            <ac:spMk id="7" creationId="{91029DAD-1F39-447C-A87F-BF93C8CE2229}"/>
+          </ac:spMkLst>
+        </pc:spChg>
+        <pc:spChg chg="add del mod">
+          <ac:chgData name="Yang, Steven Chunmeng" userId="bd999a82-834e-4344-a348-02c119acaa38" providerId="ADAL" clId="{5DA8F44F-C0FD-4E7F-87E1-EC77D0A800B3}" dt="2019-03-07T08:48:01.094" v="27" actId="478"/>
+          <ac:spMkLst>
+            <pc:docMk/>
+            <pc:sldMk cId="3672572356" sldId="258"/>
+            <ac:spMk id="8" creationId="{E3A746C4-39CB-43DE-85FB-D6E6D352595C}"/>
+          </ac:spMkLst>
+        </pc:spChg>
+        <pc:spChg chg="add mod ord">
+          <ac:chgData name="Yang, Steven Chunmeng" userId="bd999a82-834e-4344-a348-02c119acaa38" providerId="ADAL" clId="{5DA8F44F-C0FD-4E7F-87E1-EC77D0A800B3}" dt="2019-03-07T09:12:15.647" v="193" actId="164"/>
+          <ac:spMkLst>
+            <pc:docMk/>
+            <pc:sldMk cId="3672572356" sldId="258"/>
+            <ac:spMk id="25" creationId="{E145E700-47FD-4DAF-A012-C65105C7BE39}"/>
+          </ac:spMkLst>
+        </pc:spChg>
+        <pc:spChg chg="add del">
+          <ac:chgData name="Yang, Steven Chunmeng" userId="bd999a82-834e-4344-a348-02c119acaa38" providerId="ADAL" clId="{5DA8F44F-C0FD-4E7F-87E1-EC77D0A800B3}" dt="2019-03-07T09:15:57.531" v="195"/>
+          <ac:spMkLst>
+            <pc:docMk/>
+            <pc:sldMk cId="3672572356" sldId="258"/>
+            <ac:spMk id="27" creationId="{100DDAE4-D579-4486-92FC-9C88B173394E}"/>
+          </ac:spMkLst>
+        </pc:spChg>
+        <pc:grpChg chg="add del mod">
+          <ac:chgData name="Yang, Steven Chunmeng" userId="bd999a82-834e-4344-a348-02c119acaa38" providerId="ADAL" clId="{5DA8F44F-C0FD-4E7F-87E1-EC77D0A800B3}" dt="2019-03-07T08:52:08.638" v="136" actId="164"/>
+          <ac:grpSpMkLst>
+            <pc:docMk/>
+            <pc:sldMk cId="3672572356" sldId="258"/>
+            <ac:grpSpMk id="10" creationId="{3A774A9D-CFEE-4421-8F11-95A9713702BC}"/>
+          </ac:grpSpMkLst>
+        </pc:grpChg>
+        <pc:grpChg chg="add mod">
+          <ac:chgData name="Yang, Steven Chunmeng" userId="bd999a82-834e-4344-a348-02c119acaa38" providerId="ADAL" clId="{5DA8F44F-C0FD-4E7F-87E1-EC77D0A800B3}" dt="2019-03-07T08:52:08.638" v="136" actId="164"/>
+          <ac:grpSpMkLst>
+            <pc:docMk/>
+            <pc:sldMk cId="3672572356" sldId="258"/>
+            <ac:grpSpMk id="13" creationId="{D8B53F3D-DA8B-435D-A161-455420F34C2E}"/>
+          </ac:grpSpMkLst>
+        </pc:grpChg>
+        <pc:grpChg chg="add mod">
+          <ac:chgData name="Yang, Steven Chunmeng" userId="bd999a82-834e-4344-a348-02c119acaa38" providerId="ADAL" clId="{5DA8F44F-C0FD-4E7F-87E1-EC77D0A800B3}" dt="2019-03-07T08:52:11.216" v="137" actId="164"/>
+          <ac:grpSpMkLst>
+            <pc:docMk/>
+            <pc:sldMk cId="3672572356" sldId="258"/>
+            <ac:grpSpMk id="14" creationId="{2715AE2F-E8DD-4F8C-9C0C-2EA0268055E5}"/>
+          </ac:grpSpMkLst>
+        </pc:grpChg>
+        <pc:grpChg chg="add mod">
+          <ac:chgData name="Yang, Steven Chunmeng" userId="bd999a82-834e-4344-a348-02c119acaa38" providerId="ADAL" clId="{5DA8F44F-C0FD-4E7F-87E1-EC77D0A800B3}" dt="2019-03-07T09:12:15.647" v="193" actId="164"/>
+          <ac:grpSpMkLst>
+            <pc:docMk/>
+            <pc:sldMk cId="3672572356" sldId="258"/>
+            <ac:grpSpMk id="26" creationId="{52BFDE0C-606D-412C-AC1A-0F3F5E3FE4D2}"/>
+          </ac:grpSpMkLst>
+        </pc:grpChg>
+        <pc:picChg chg="add mod ord modCrop">
+          <ac:chgData name="Yang, Steven Chunmeng" userId="bd999a82-834e-4344-a348-02c119acaa38" providerId="ADAL" clId="{5DA8F44F-C0FD-4E7F-87E1-EC77D0A800B3}" dt="2019-03-07T08:50:03.844" v="71" actId="164"/>
+          <ac:picMkLst>
+            <pc:docMk/>
+            <pc:sldMk cId="3672572356" sldId="258"/>
+            <ac:picMk id="4" creationId="{C1AA26E6-EA87-447A-970C-4311C93EE061}"/>
+          </ac:picMkLst>
+        </pc:picChg>
+        <pc:picChg chg="add mod">
+          <ac:chgData name="Yang, Steven Chunmeng" userId="bd999a82-834e-4344-a348-02c119acaa38" providerId="ADAL" clId="{5DA8F44F-C0FD-4E7F-87E1-EC77D0A800B3}" dt="2019-03-07T08:52:11.216" v="137" actId="164"/>
+          <ac:picMkLst>
+            <pc:docMk/>
+            <pc:sldMk cId="3672572356" sldId="258"/>
+            <ac:picMk id="5" creationId="{9C72B55F-EAD5-4CB3-86F5-EF26348BE758}"/>
+          </ac:picMkLst>
+        </pc:picChg>
+        <pc:picChg chg="add mod modCrop">
+          <ac:chgData name="Yang, Steven Chunmeng" userId="bd999a82-834e-4344-a348-02c119acaa38" providerId="ADAL" clId="{5DA8F44F-C0FD-4E7F-87E1-EC77D0A800B3}" dt="2019-03-07T08:51:21.751" v="117" actId="1036"/>
+          <ac:picMkLst>
+            <pc:docMk/>
+            <pc:sldMk cId="3672572356" sldId="258"/>
+            <ac:picMk id="9" creationId="{C5A2EE90-B99A-4BFA-B406-5BA7E799AC94}"/>
+          </ac:picMkLst>
+        </pc:picChg>
+        <pc:picChg chg="add del mod">
+          <ac:chgData name="Yang, Steven Chunmeng" userId="bd999a82-834e-4344-a348-02c119acaa38" providerId="ADAL" clId="{5DA8F44F-C0FD-4E7F-87E1-EC77D0A800B3}" dt="2019-03-07T08:50:20.454" v="79"/>
+          <ac:picMkLst>
+            <pc:docMk/>
+            <pc:sldMk cId="3672572356" sldId="258"/>
+            <ac:picMk id="11" creationId="{6B66441F-5BC1-40BD-A36B-EADB888C07BD}"/>
+          </ac:picMkLst>
+        </pc:picChg>
+        <pc:picChg chg="add mod">
+          <ac:chgData name="Yang, Steven Chunmeng" userId="bd999a82-834e-4344-a348-02c119acaa38" providerId="ADAL" clId="{5DA8F44F-C0FD-4E7F-87E1-EC77D0A800B3}" dt="2019-03-07T08:54:31.822" v="143"/>
+          <ac:picMkLst>
+            <pc:docMk/>
+            <pc:sldMk cId="3672572356" sldId="258"/>
+            <ac:picMk id="12" creationId="{714A0AC9-FE08-47E0-83F9-D01367A2BE00}"/>
+          </ac:picMkLst>
+        </pc:picChg>
+        <pc:picChg chg="add del mod">
+          <ac:chgData name="Yang, Steven Chunmeng" userId="bd999a82-834e-4344-a348-02c119acaa38" providerId="ADAL" clId="{5DA8F44F-C0FD-4E7F-87E1-EC77D0A800B3}" dt="2019-03-07T08:54:16.333" v="142" actId="478"/>
+          <ac:picMkLst>
+            <pc:docMk/>
+            <pc:sldMk cId="3672572356" sldId="258"/>
+            <ac:picMk id="15" creationId="{76D070D6-23D3-4329-B5C7-8FC2346964E5}"/>
+          </ac:picMkLst>
+        </pc:picChg>
+        <pc:picChg chg="add del mod">
+          <ac:chgData name="Yang, Steven Chunmeng" userId="bd999a82-834e-4344-a348-02c119acaa38" providerId="ADAL" clId="{5DA8F44F-C0FD-4E7F-87E1-EC77D0A800B3}" dt="2019-03-07T09:09:20.104" v="161"/>
+          <ac:picMkLst>
+            <pc:docMk/>
+            <pc:sldMk cId="3672572356" sldId="258"/>
+            <ac:picMk id="16" creationId="{E23F0BAA-9602-4523-B543-6EF77B7B8818}"/>
+          </ac:picMkLst>
+        </pc:picChg>
+        <pc:picChg chg="add del mod">
+          <ac:chgData name="Yang, Steven Chunmeng" userId="bd999a82-834e-4344-a348-02c119acaa38" providerId="ADAL" clId="{5DA8F44F-C0FD-4E7F-87E1-EC77D0A800B3}" dt="2019-03-07T08:56:12.525" v="153" actId="478"/>
+          <ac:picMkLst>
+            <pc:docMk/>
+            <pc:sldMk cId="3672572356" sldId="258"/>
+            <ac:picMk id="17" creationId="{DBB12AEA-7AC8-4A68-88D0-286DE449ADFF}"/>
+          </ac:picMkLst>
+        </pc:picChg>
+        <pc:picChg chg="add del mod">
+          <ac:chgData name="Yang, Steven Chunmeng" userId="bd999a82-834e-4344-a348-02c119acaa38" providerId="ADAL" clId="{5DA8F44F-C0FD-4E7F-87E1-EC77D0A800B3}" dt="2019-03-07T08:59:48.858" v="156"/>
+          <ac:picMkLst>
+            <pc:docMk/>
+            <pc:sldMk cId="3672572356" sldId="258"/>
+            <ac:picMk id="19" creationId="{A6CC0305-817B-4DA4-9381-AF4E77AB5CD4}"/>
+          </ac:picMkLst>
+        </pc:picChg>
+        <pc:picChg chg="add mod ord">
+          <ac:chgData name="Yang, Steven Chunmeng" userId="bd999a82-834e-4344-a348-02c119acaa38" providerId="ADAL" clId="{5DA8F44F-C0FD-4E7F-87E1-EC77D0A800B3}" dt="2019-03-07T09:12:15.647" v="193" actId="164"/>
+          <ac:picMkLst>
+            <pc:docMk/>
+            <pc:sldMk cId="3672572356" sldId="258"/>
+            <ac:picMk id="20" creationId="{7597B2EF-7339-4781-89FF-67E40404B8AC}"/>
+          </ac:picMkLst>
+        </pc:picChg>
+        <pc:picChg chg="add mod ord">
+          <ac:chgData name="Yang, Steven Chunmeng" userId="bd999a82-834e-4344-a348-02c119acaa38" providerId="ADAL" clId="{5DA8F44F-C0FD-4E7F-87E1-EC77D0A800B3}" dt="2019-03-07T09:12:15.647" v="193" actId="164"/>
+          <ac:picMkLst>
+            <pc:docMk/>
+            <pc:sldMk cId="3672572356" sldId="258"/>
+            <ac:picMk id="22" creationId="{CA8FD606-2DDC-4D48-9E8B-4E150A0D35E1}"/>
+          </ac:picMkLst>
+        </pc:picChg>
+        <pc:picChg chg="add del mod">
+          <ac:chgData name="Yang, Steven Chunmeng" userId="bd999a82-834e-4344-a348-02c119acaa38" providerId="ADAL" clId="{5DA8F44F-C0FD-4E7F-87E1-EC77D0A800B3}" dt="2019-03-07T09:11:12.854" v="176" actId="478"/>
+          <ac:picMkLst>
+            <pc:docMk/>
+            <pc:sldMk cId="3672572356" sldId="258"/>
+            <ac:picMk id="24" creationId="{1935D72A-952E-40AE-B3D9-CBF88B41024C}"/>
+          </ac:picMkLst>
+        </pc:picChg>
+        <pc:picChg chg="add del mod">
+          <ac:chgData name="Yang, Steven Chunmeng" userId="bd999a82-834e-4344-a348-02c119acaa38" providerId="ADAL" clId="{5DA8F44F-C0FD-4E7F-87E1-EC77D0A800B3}" dt="2019-03-07T09:16:19.768" v="200" actId="478"/>
+          <ac:picMkLst>
+            <pc:docMk/>
+            <pc:sldMk cId="3672572356" sldId="258"/>
+            <ac:picMk id="29" creationId="{40AC3CC8-9F18-41B3-9F7A-BB7BBC0B8B83}"/>
+          </ac:picMkLst>
+        </pc:picChg>
+        <pc:picChg chg="add del mod modCrop">
+          <ac:chgData name="Yang, Steven Chunmeng" userId="bd999a82-834e-4344-a348-02c119acaa38" providerId="ADAL" clId="{5DA8F44F-C0FD-4E7F-87E1-EC77D0A800B3}" dt="2019-03-07T09:18:33.378" v="210" actId="478"/>
+          <ac:picMkLst>
+            <pc:docMk/>
+            <pc:sldMk cId="3672572356" sldId="258"/>
+            <ac:picMk id="31" creationId="{F42CDE42-3B82-495D-BC79-4B0C3D2E25C4}"/>
+          </ac:picMkLst>
+        </pc:picChg>
+        <pc:picChg chg="add mod modCrop">
+          <ac:chgData name="Yang, Steven Chunmeng" userId="bd999a82-834e-4344-a348-02c119acaa38" providerId="ADAL" clId="{5DA8F44F-C0FD-4E7F-87E1-EC77D0A800B3}" dt="2019-03-07T09:23:43.202" v="220" actId="1076"/>
+          <ac:picMkLst>
+            <pc:docMk/>
+            <pc:sldMk cId="3672572356" sldId="258"/>
+            <ac:picMk id="33" creationId="{4D476DFA-5418-4DCC-ABA7-66A294CF280A}"/>
+          </ac:picMkLst>
+        </pc:picChg>
+      </pc:sldChg>
+    </pc:docChg>
+  </pc:docChgLst>
+  <pc:docChgLst>
     <pc:chgData name="Yang, Steven Chunmeng" userId="bd999a82-834e-4344-a348-02c119acaa38" providerId="ADAL" clId="{1AFC06A1-EAE7-4082-A76D-757BF820E1B8}"/>
     <pc:docChg chg="custSel addSld modSld">
-      <pc:chgData name="Yang, Steven Chunmeng" userId="bd999a82-834e-4344-a348-02c119acaa38" providerId="ADAL" clId="{1AFC06A1-EAE7-4082-A76D-757BF820E1B8}" dt="2019-02-04T03:52:22.480" v="11" actId="164"/>
+      <pc:chgData name="Yang, Steven Chunmeng" userId="bd999a82-834e-4344-a348-02c119acaa38" providerId="ADAL" clId="{1AFC06A1-EAE7-4082-A76D-757BF820E1B8}" dt="2019-02-07T02:19:12.612" v="102" actId="164"/>
       <pc:docMkLst>
         <pc:docMk/>
       </pc:docMkLst>
       <pc:sldChg chg="addSp delSp modSp add">
-        <pc:chgData name="Yang, Steven Chunmeng" userId="bd999a82-834e-4344-a348-02c119acaa38" providerId="ADAL" clId="{1AFC06A1-EAE7-4082-A76D-757BF820E1B8}" dt="2019-02-04T03:52:22.480" v="11" actId="164"/>
+        <pc:chgData name="Yang, Steven Chunmeng" userId="bd999a82-834e-4344-a348-02c119acaa38" providerId="ADAL" clId="{1AFC06A1-EAE7-4082-A76D-757BF820E1B8}" dt="2019-02-07T02:19:12.612" v="102" actId="164"/>
         <pc:sldMkLst>
           <pc:docMk/>
           <pc:sldMk cId="3707185159" sldId="256"/>
@@ -138,8 +384,8 @@
             <ac:spMk id="3" creationId="{7409C827-270A-4D41-A19B-1F274FE36EF6}"/>
           </ac:spMkLst>
         </pc:spChg>
-        <pc:spChg chg="add mod">
-          <ac:chgData name="Yang, Steven Chunmeng" userId="bd999a82-834e-4344-a348-02c119acaa38" providerId="ADAL" clId="{1AFC06A1-EAE7-4082-A76D-757BF820E1B8}" dt="2019-02-04T03:52:22.480" v="11" actId="164"/>
+        <pc:spChg chg="add mod topLvl">
+          <ac:chgData name="Yang, Steven Chunmeng" userId="bd999a82-834e-4344-a348-02c119acaa38" providerId="ADAL" clId="{1AFC06A1-EAE7-4082-A76D-757BF820E1B8}" dt="2019-02-07T02:19:12.612" v="102" actId="164"/>
           <ac:spMkLst>
             <pc:docMk/>
             <pc:sldMk cId="3707185159" sldId="256"/>
@@ -147,19 +393,138 @@
           </ac:spMkLst>
         </pc:spChg>
         <pc:grpChg chg="add mod">
-          <ac:chgData name="Yang, Steven Chunmeng" userId="bd999a82-834e-4344-a348-02c119acaa38" providerId="ADAL" clId="{1AFC06A1-EAE7-4082-A76D-757BF820E1B8}" dt="2019-02-04T03:52:22.480" v="11" actId="164"/>
+          <ac:chgData name="Yang, Steven Chunmeng" userId="bd999a82-834e-4344-a348-02c119acaa38" providerId="ADAL" clId="{1AFC06A1-EAE7-4082-A76D-757BF820E1B8}" dt="2019-02-07T02:19:12.612" v="102" actId="164"/>
+          <ac:grpSpMkLst>
+            <pc:docMk/>
+            <pc:sldMk cId="3707185159" sldId="256"/>
+            <ac:grpSpMk id="2" creationId="{A31A21F6-97FA-4AF0-97B8-1C808BE0BBFB}"/>
+          </ac:grpSpMkLst>
+        </pc:grpChg>
+        <pc:grpChg chg="add del mod">
+          <ac:chgData name="Yang, Steven Chunmeng" userId="bd999a82-834e-4344-a348-02c119acaa38" providerId="ADAL" clId="{1AFC06A1-EAE7-4082-A76D-757BF820E1B8}" dt="2019-02-07T02:18:02.511" v="71" actId="165"/>
           <ac:grpSpMkLst>
             <pc:docMk/>
             <pc:sldMk cId="3707185159" sldId="256"/>
             <ac:grpSpMk id="7" creationId="{423883E9-98C0-4200-87E2-F6B207863567}"/>
           </ac:grpSpMkLst>
         </pc:grpChg>
-        <pc:picChg chg="add mod">
-          <ac:chgData name="Yang, Steven Chunmeng" userId="bd999a82-834e-4344-a348-02c119acaa38" providerId="ADAL" clId="{1AFC06A1-EAE7-4082-A76D-757BF820E1B8}" dt="2019-02-04T03:52:22.480" v="11" actId="164"/>
+        <pc:picChg chg="add mod topLvl">
+          <ac:chgData name="Yang, Steven Chunmeng" userId="bd999a82-834e-4344-a348-02c119acaa38" providerId="ADAL" clId="{1AFC06A1-EAE7-4082-A76D-757BF820E1B8}" dt="2019-02-07T02:19:12.612" v="102" actId="164"/>
           <ac:picMkLst>
             <pc:docMk/>
             <pc:sldMk cId="3707185159" sldId="256"/>
             <ac:picMk id="5" creationId="{5BE1CECC-3F1C-405B-B0D8-283F8084760B}"/>
+          </ac:picMkLst>
+        </pc:picChg>
+      </pc:sldChg>
+      <pc:sldChg chg="addSp delSp modSp add setBg">
+        <pc:chgData name="Yang, Steven Chunmeng" userId="bd999a82-834e-4344-a348-02c119acaa38" providerId="ADAL" clId="{1AFC06A1-EAE7-4082-A76D-757BF820E1B8}" dt="2019-02-07T02:05:08.159" v="70" actId="164"/>
+        <pc:sldMkLst>
+          <pc:docMk/>
+          <pc:sldMk cId="448449650" sldId="257"/>
+        </pc:sldMkLst>
+        <pc:spChg chg="del">
+          <ac:chgData name="Yang, Steven Chunmeng" userId="bd999a82-834e-4344-a348-02c119acaa38" providerId="ADAL" clId="{1AFC06A1-EAE7-4082-A76D-757BF820E1B8}" dt="2019-02-07T01:51:28.839" v="13" actId="478"/>
+          <ac:spMkLst>
+            <pc:docMk/>
+            <pc:sldMk cId="448449650" sldId="257"/>
+            <ac:spMk id="2" creationId="{C5144405-13E3-4F9F-B2AA-C6B266386BB7}"/>
+          </ac:spMkLst>
+        </pc:spChg>
+        <pc:spChg chg="del">
+          <ac:chgData name="Yang, Steven Chunmeng" userId="bd999a82-834e-4344-a348-02c119acaa38" providerId="ADAL" clId="{1AFC06A1-EAE7-4082-A76D-757BF820E1B8}" dt="2019-02-07T01:51:28.839" v="13" actId="478"/>
+          <ac:spMkLst>
+            <pc:docMk/>
+            <pc:sldMk cId="448449650" sldId="257"/>
+            <ac:spMk id="3" creationId="{870F74D0-77F8-44E6-BEE4-D6F972731C19}"/>
+          </ac:spMkLst>
+        </pc:spChg>
+        <pc:spChg chg="add mod ord">
+          <ac:chgData name="Yang, Steven Chunmeng" userId="bd999a82-834e-4344-a348-02c119acaa38" providerId="ADAL" clId="{1AFC06A1-EAE7-4082-A76D-757BF820E1B8}" dt="2019-02-07T01:52:20.516" v="46" actId="164"/>
+          <ac:spMkLst>
+            <pc:docMk/>
+            <pc:sldMk cId="448449650" sldId="257"/>
+            <ac:spMk id="6" creationId="{70CC874A-119A-4C88-8039-0691C23AC022}"/>
+          </ac:spMkLst>
+        </pc:spChg>
+        <pc:spChg chg="mod ord topLvl">
+          <ac:chgData name="Yang, Steven Chunmeng" userId="bd999a82-834e-4344-a348-02c119acaa38" providerId="ADAL" clId="{1AFC06A1-EAE7-4082-A76D-757BF820E1B8}" dt="2019-02-07T02:03:18.792" v="58" actId="167"/>
+          <ac:spMkLst>
+            <pc:docMk/>
+            <pc:sldMk cId="448449650" sldId="257"/>
+            <ac:spMk id="9" creationId="{8CA50A0A-338D-48EA-BEA8-ADE53019BF07}"/>
+          </ac:spMkLst>
+        </pc:spChg>
+        <pc:spChg chg="add mod ord">
+          <ac:chgData name="Yang, Steven Chunmeng" userId="bd999a82-834e-4344-a348-02c119acaa38" providerId="ADAL" clId="{1AFC06A1-EAE7-4082-A76D-757BF820E1B8}" dt="2019-02-07T02:05:00.538" v="69" actId="164"/>
+          <ac:spMkLst>
+            <pc:docMk/>
+            <pc:sldMk cId="448449650" sldId="257"/>
+            <ac:spMk id="12" creationId="{CDA32A8D-89DA-408F-A737-20E0FB2C36E8}"/>
+          </ac:spMkLst>
+        </pc:spChg>
+        <pc:grpChg chg="add mod">
+          <ac:chgData name="Yang, Steven Chunmeng" userId="bd999a82-834e-4344-a348-02c119acaa38" providerId="ADAL" clId="{1AFC06A1-EAE7-4082-A76D-757BF820E1B8}" dt="2019-02-07T02:05:00.538" v="69" actId="164"/>
+          <ac:grpSpMkLst>
+            <pc:docMk/>
+            <pc:sldMk cId="448449650" sldId="257"/>
+            <ac:grpSpMk id="4" creationId="{4C3B75EC-2047-43C6-8AD8-E2260DF15291}"/>
+          </ac:grpSpMkLst>
+        </pc:grpChg>
+        <pc:grpChg chg="add del mod">
+          <ac:chgData name="Yang, Steven Chunmeng" userId="bd999a82-834e-4344-a348-02c119acaa38" providerId="ADAL" clId="{1AFC06A1-EAE7-4082-A76D-757BF820E1B8}" dt="2019-02-07T01:52:21.422" v="47" actId="164"/>
+          <ac:grpSpMkLst>
+            <pc:docMk/>
+            <pc:sldMk cId="448449650" sldId="257"/>
+            <ac:grpSpMk id="7" creationId="{F8BFC60A-A499-4834-8102-5770ED06365B}"/>
+          </ac:grpSpMkLst>
+        </pc:grpChg>
+        <pc:grpChg chg="add del mod">
+          <ac:chgData name="Yang, Steven Chunmeng" userId="bd999a82-834e-4344-a348-02c119acaa38" providerId="ADAL" clId="{1AFC06A1-EAE7-4082-A76D-757BF820E1B8}" dt="2019-02-07T02:02:57.784" v="54" actId="165"/>
+          <ac:grpSpMkLst>
+            <pc:docMk/>
+            <pc:sldMk cId="448449650" sldId="257"/>
+            <ac:grpSpMk id="8" creationId="{BB80833C-E01E-4B2F-B797-2B92251D84CE}"/>
+          </ac:grpSpMkLst>
+        </pc:grpChg>
+        <pc:picChg chg="add mod">
+          <ac:chgData name="Yang, Steven Chunmeng" userId="bd999a82-834e-4344-a348-02c119acaa38" providerId="ADAL" clId="{1AFC06A1-EAE7-4082-A76D-757BF820E1B8}" dt="2019-02-07T02:05:00.538" v="69" actId="164"/>
+          <ac:picMkLst>
+            <pc:docMk/>
+            <pc:sldMk cId="448449650" sldId="257"/>
+            <ac:picMk id="3" creationId="{D26FE154-690D-4D7D-BB46-6AE611BEF692}"/>
+          </ac:picMkLst>
+        </pc:picChg>
+        <pc:picChg chg="add mod">
+          <ac:chgData name="Yang, Steven Chunmeng" userId="bd999a82-834e-4344-a348-02c119acaa38" providerId="ADAL" clId="{1AFC06A1-EAE7-4082-A76D-757BF820E1B8}" dt="2019-02-07T01:52:20.516" v="46" actId="164"/>
+          <ac:picMkLst>
+            <pc:docMk/>
+            <pc:sldMk cId="448449650" sldId="257"/>
+            <ac:picMk id="5" creationId="{D1CC0D28-ACD9-4F67-9752-C0FAF6E4E52B}"/>
+          </ac:picMkLst>
+        </pc:picChg>
+        <pc:picChg chg="add">
+          <ac:chgData name="Yang, Steven Chunmeng" userId="bd999a82-834e-4344-a348-02c119acaa38" providerId="ADAL" clId="{1AFC06A1-EAE7-4082-A76D-757BF820E1B8}" dt="2019-02-07T02:05:08.159" v="70" actId="164"/>
+          <ac:picMkLst>
+            <pc:docMk/>
+            <pc:sldMk cId="448449650" sldId="257"/>
+            <ac:picMk id="5" creationId="{0CFF8845-9E1A-4B91-9AF3-382BC2042515}"/>
+          </ac:picMkLst>
+        </pc:picChg>
+        <pc:picChg chg="mod ord topLvl">
+          <ac:chgData name="Yang, Steven Chunmeng" userId="bd999a82-834e-4344-a348-02c119acaa38" providerId="ADAL" clId="{1AFC06A1-EAE7-4082-A76D-757BF820E1B8}" dt="2019-02-07T02:03:07.056" v="55" actId="167"/>
+          <ac:picMkLst>
+            <pc:docMk/>
+            <pc:sldMk cId="448449650" sldId="257"/>
+            <ac:picMk id="10" creationId="{DEE10EE5-272C-4BDB-B524-4D6C25F98440}"/>
+          </ac:picMkLst>
+        </pc:picChg>
+        <pc:picChg chg="add del">
+          <ac:chgData name="Yang, Steven Chunmeng" userId="bd999a82-834e-4344-a348-02c119acaa38" providerId="ADAL" clId="{1AFC06A1-EAE7-4082-A76D-757BF820E1B8}" dt="2019-02-07T02:02:38.445" v="51" actId="478"/>
+          <ac:picMkLst>
+            <pc:docMk/>
+            <pc:sldMk cId="448449650" sldId="257"/>
+            <ac:picMk id="11" creationId="{A98FBB78-B363-47A9-995A-685C20B20CE0}"/>
           </ac:picMkLst>
         </pc:picChg>
       </pc:sldChg>
@@ -317,7 +682,7 @@
           <a:p>
             <a:fld id="{2454A297-81DB-4AF0-BD7B-469A7993D4C7}" type="datetimeFigureOut">
               <a:rPr lang="en-GB" smtClean="0"/>
-              <a:t>04/02/2019</a:t>
+              <a:t>07/03/2019</a:t>
             </a:fld>
             <a:endParaRPr lang="en-GB"/>
           </a:p>
@@ -517,7 +882,7 @@
           <a:p>
             <a:fld id="{2454A297-81DB-4AF0-BD7B-469A7993D4C7}" type="datetimeFigureOut">
               <a:rPr lang="en-GB" smtClean="0"/>
-              <a:t>04/02/2019</a:t>
+              <a:t>07/03/2019</a:t>
             </a:fld>
             <a:endParaRPr lang="en-GB"/>
           </a:p>
@@ -727,7 +1092,7 @@
           <a:p>
             <a:fld id="{2454A297-81DB-4AF0-BD7B-469A7993D4C7}" type="datetimeFigureOut">
               <a:rPr lang="en-GB" smtClean="0"/>
-              <a:t>04/02/2019</a:t>
+              <a:t>07/03/2019</a:t>
             </a:fld>
             <a:endParaRPr lang="en-GB"/>
           </a:p>
@@ -927,7 +1292,7 @@
           <a:p>
             <a:fld id="{2454A297-81DB-4AF0-BD7B-469A7993D4C7}" type="datetimeFigureOut">
               <a:rPr lang="en-GB" smtClean="0"/>
-              <a:t>04/02/2019</a:t>
+              <a:t>07/03/2019</a:t>
             </a:fld>
             <a:endParaRPr lang="en-GB"/>
           </a:p>
@@ -1203,7 +1568,7 @@
           <a:p>
             <a:fld id="{2454A297-81DB-4AF0-BD7B-469A7993D4C7}" type="datetimeFigureOut">
               <a:rPr lang="en-GB" smtClean="0"/>
-              <a:t>04/02/2019</a:t>
+              <a:t>07/03/2019</a:t>
             </a:fld>
             <a:endParaRPr lang="en-GB"/>
           </a:p>
@@ -1471,7 +1836,7 @@
           <a:p>
             <a:fld id="{2454A297-81DB-4AF0-BD7B-469A7993D4C7}" type="datetimeFigureOut">
               <a:rPr lang="en-GB" smtClean="0"/>
-              <a:t>04/02/2019</a:t>
+              <a:t>07/03/2019</a:t>
             </a:fld>
             <a:endParaRPr lang="en-GB"/>
           </a:p>
@@ -1886,7 +2251,7 @@
           <a:p>
             <a:fld id="{2454A297-81DB-4AF0-BD7B-469A7993D4C7}" type="datetimeFigureOut">
               <a:rPr lang="en-GB" smtClean="0"/>
-              <a:t>04/02/2019</a:t>
+              <a:t>07/03/2019</a:t>
             </a:fld>
             <a:endParaRPr lang="en-GB"/>
           </a:p>
@@ -2028,7 +2393,7 @@
           <a:p>
             <a:fld id="{2454A297-81DB-4AF0-BD7B-469A7993D4C7}" type="datetimeFigureOut">
               <a:rPr lang="en-GB" smtClean="0"/>
-              <a:t>04/02/2019</a:t>
+              <a:t>07/03/2019</a:t>
             </a:fld>
             <a:endParaRPr lang="en-GB"/>
           </a:p>
@@ -2141,7 +2506,7 @@
           <a:p>
             <a:fld id="{2454A297-81DB-4AF0-BD7B-469A7993D4C7}" type="datetimeFigureOut">
               <a:rPr lang="en-GB" smtClean="0"/>
-              <a:t>04/02/2019</a:t>
+              <a:t>07/03/2019</a:t>
             </a:fld>
             <a:endParaRPr lang="en-GB"/>
           </a:p>
@@ -2454,7 +2819,7 @@
           <a:p>
             <a:fld id="{2454A297-81DB-4AF0-BD7B-469A7993D4C7}" type="datetimeFigureOut">
               <a:rPr lang="en-GB" smtClean="0"/>
-              <a:t>04/02/2019</a:t>
+              <a:t>07/03/2019</a:t>
             </a:fld>
             <a:endParaRPr lang="en-GB"/>
           </a:p>
@@ -2743,7 +3108,7 @@
           <a:p>
             <a:fld id="{2454A297-81DB-4AF0-BD7B-469A7993D4C7}" type="datetimeFigureOut">
               <a:rPr lang="en-GB" smtClean="0"/>
-              <a:t>04/02/2019</a:t>
+              <a:t>07/03/2019</a:t>
             </a:fld>
             <a:endParaRPr lang="en-GB"/>
           </a:p>
@@ -2986,7 +3351,7 @@
           <a:p>
             <a:fld id="{2454A297-81DB-4AF0-BD7B-469A7993D4C7}" type="datetimeFigureOut">
               <a:rPr lang="en-GB" smtClean="0"/>
-              <a:t>04/02/2019</a:t>
+              <a:t>07/03/2019</a:t>
             </a:fld>
             <a:endParaRPr lang="en-GB"/>
           </a:p>
@@ -3405,10 +3770,10 @@
       </p:grpSpPr>
       <p:grpSp>
         <p:nvGrpSpPr>
-          <p:cNvPr id="7" name="Group 6">
-            <a:extLst>
-              <a:ext uri="{FF2B5EF4-FFF2-40B4-BE49-F238E27FC236}">
-                <a16:creationId xmlns:a16="http://schemas.microsoft.com/office/drawing/2014/main" id="{423883E9-98C0-4200-87E2-F6B207863567}"/>
+          <p:cNvPr id="2" name="Group 1">
+            <a:extLst>
+              <a:ext uri="{FF2B5EF4-FFF2-40B4-BE49-F238E27FC236}">
+                <a16:creationId xmlns:a16="http://schemas.microsoft.com/office/drawing/2014/main" id="{A31A21F6-97FA-4AF0-97B8-1C808BE0BBFB}"/>
               </a:ext>
             </a:extLst>
           </p:cNvPr>
@@ -3481,7 +3846,7 @@
             </a:prstGeom>
             <a:solidFill>
               <a:schemeClr val="bg1">
-                <a:alpha val="40000"/>
+                <a:alpha val="20000"/>
               </a:schemeClr>
             </a:solidFill>
             <a:ln>
@@ -3518,6 +3883,759 @@
     <p:extLst>
       <p:ext uri="{BB962C8B-B14F-4D97-AF65-F5344CB8AC3E}">
         <p14:creationId xmlns:p14="http://schemas.microsoft.com/office/powerpoint/2010/main" val="3707185159"/>
+      </p:ext>
+    </p:extLst>
+  </p:cSld>
+  <p:clrMapOvr>
+    <a:masterClrMapping/>
+  </p:clrMapOvr>
+</p:sld>
+</file>
+
+<file path=ppt/slides/slide2.xml><?xml version="1.0" encoding="utf-8"?>
+<p:sld xmlns:a="http://schemas.openxmlformats.org/drawingml/2006/main" xmlns:r="http://schemas.openxmlformats.org/officeDocument/2006/relationships" xmlns:p="http://schemas.openxmlformats.org/presentationml/2006/main">
+  <p:cSld>
+    <p:bg>
+      <p:bgPr>
+        <a:solidFill>
+          <a:schemeClr val="accent1"/>
+        </a:solidFill>
+        <a:effectLst/>
+      </p:bgPr>
+    </p:bg>
+    <p:spTree>
+      <p:nvGrpSpPr>
+        <p:cNvPr id="1" name=""/>
+        <p:cNvGrpSpPr/>
+        <p:nvPr/>
+      </p:nvGrpSpPr>
+      <p:grpSpPr>
+        <a:xfrm>
+          <a:off x="0" y="0"/>
+          <a:ext cx="0" cy="0"/>
+          <a:chOff x="0" y="0"/>
+          <a:chExt cx="0" cy="0"/>
+        </a:xfrm>
+      </p:grpSpPr>
+      <p:sp>
+        <p:nvSpPr>
+          <p:cNvPr id="9" name="Rectangle 8">
+            <a:extLst>
+              <a:ext uri="{FF2B5EF4-FFF2-40B4-BE49-F238E27FC236}">
+                <a16:creationId xmlns:a16="http://schemas.microsoft.com/office/drawing/2014/main" id="{8CA50A0A-338D-48EA-BEA8-ADE53019BF07}"/>
+              </a:ext>
+            </a:extLst>
+          </p:cNvPr>
+          <p:cNvSpPr/>
+          <p:nvPr/>
+        </p:nvSpPr>
+        <p:spPr>
+          <a:xfrm>
+            <a:off x="2047166" y="965579"/>
+            <a:ext cx="1378424" cy="1378424"/>
+          </a:xfrm>
+          <a:prstGeom prst="rect">
+            <a:avLst/>
+          </a:prstGeom>
+          <a:solidFill>
+            <a:schemeClr val="bg1"/>
+          </a:solidFill>
+          <a:ln>
+            <a:solidFill>
+              <a:schemeClr val="bg1"/>
+            </a:solidFill>
+          </a:ln>
+        </p:spPr>
+        <p:style>
+          <a:lnRef idx="2">
+            <a:schemeClr val="accent1">
+              <a:shade val="50000"/>
+            </a:schemeClr>
+          </a:lnRef>
+          <a:fillRef idx="1">
+            <a:schemeClr val="accent1"/>
+          </a:fillRef>
+          <a:effectRef idx="0">
+            <a:schemeClr val="accent1"/>
+          </a:effectRef>
+          <a:fontRef idx="minor">
+            <a:schemeClr val="lt1"/>
+          </a:fontRef>
+        </p:style>
+        <p:txBody>
+          <a:bodyPr rtlCol="0" anchor="ctr"/>
+          <a:lstStyle/>
+          <a:p>
+            <a:pPr algn="ctr"/>
+            <a:endParaRPr lang="en-GB"/>
+          </a:p>
+        </p:txBody>
+      </p:sp>
+      <p:pic>
+        <p:nvPicPr>
+          <p:cNvPr id="10" name="Picture 9">
+            <a:extLst>
+              <a:ext uri="{FF2B5EF4-FFF2-40B4-BE49-F238E27FC236}">
+                <a16:creationId xmlns:a16="http://schemas.microsoft.com/office/drawing/2014/main" id="{DEE10EE5-272C-4BDB-B524-4D6C25F98440}"/>
+              </a:ext>
+            </a:extLst>
+          </p:cNvPr>
+          <p:cNvPicPr>
+            <a:picLocks noChangeAspect="1"/>
+          </p:cNvPicPr>
+          <p:nvPr/>
+        </p:nvPicPr>
+        <p:blipFill>
+          <a:blip r:embed="rId2">
+            <a:extLst>
+              <a:ext uri="{28A0092B-C50C-407E-A947-70E740481C1C}">
+                <a14:useLocalDpi xmlns:a14="http://schemas.microsoft.com/office/drawing/2010/main" val="0"/>
+              </a:ext>
+            </a:extLst>
+          </a:blip>
+          <a:stretch>
+            <a:fillRect/>
+          </a:stretch>
+        </p:blipFill>
+        <p:spPr>
+          <a:xfrm>
+            <a:off x="1909219" y="825359"/>
+            <a:ext cx="1686160" cy="1686160"/>
+          </a:xfrm>
+          <a:prstGeom prst="rect">
+            <a:avLst/>
+          </a:prstGeom>
+        </p:spPr>
+      </p:pic>
+      <p:grpSp>
+        <p:nvGrpSpPr>
+          <p:cNvPr id="4" name="Group 3">
+            <a:extLst>
+              <a:ext uri="{FF2B5EF4-FFF2-40B4-BE49-F238E27FC236}">
+                <a16:creationId xmlns:a16="http://schemas.microsoft.com/office/drawing/2014/main" id="{4C3B75EC-2047-43C6-8AD8-E2260DF15291}"/>
+              </a:ext>
+            </a:extLst>
+          </p:cNvPr>
+          <p:cNvGrpSpPr/>
+          <p:nvPr/>
+        </p:nvGrpSpPr>
+        <p:grpSpPr>
+          <a:xfrm>
+            <a:off x="1479546" y="3216757"/>
+            <a:ext cx="1714286" cy="1714286"/>
+            <a:chOff x="1479546" y="3216757"/>
+            <a:chExt cx="1714286" cy="1714286"/>
+          </a:xfrm>
+        </p:grpSpPr>
+        <p:sp>
+          <p:nvSpPr>
+            <p:cNvPr id="12" name="Rectangle 11">
+              <a:extLst>
+                <a:ext uri="{FF2B5EF4-FFF2-40B4-BE49-F238E27FC236}">
+                  <a16:creationId xmlns:a16="http://schemas.microsoft.com/office/drawing/2014/main" id="{CDA32A8D-89DA-408F-A737-20E0FB2C36E8}"/>
+                </a:ext>
+              </a:extLst>
+            </p:cNvPr>
+            <p:cNvSpPr/>
+            <p:nvPr/>
+          </p:nvSpPr>
+          <p:spPr>
+            <a:xfrm>
+              <a:off x="1479889" y="3217100"/>
+              <a:ext cx="1713600" cy="1713600"/>
+            </a:xfrm>
+            <a:prstGeom prst="rect">
+              <a:avLst/>
+            </a:prstGeom>
+            <a:solidFill>
+              <a:schemeClr val="bg1"/>
+            </a:solidFill>
+            <a:ln>
+              <a:solidFill>
+                <a:schemeClr val="bg1"/>
+              </a:solidFill>
+            </a:ln>
+          </p:spPr>
+          <p:style>
+            <a:lnRef idx="2">
+              <a:schemeClr val="accent1">
+                <a:shade val="50000"/>
+              </a:schemeClr>
+            </a:lnRef>
+            <a:fillRef idx="1">
+              <a:schemeClr val="accent1"/>
+            </a:fillRef>
+            <a:effectRef idx="0">
+              <a:schemeClr val="accent1"/>
+            </a:effectRef>
+            <a:fontRef idx="minor">
+              <a:schemeClr val="lt1"/>
+            </a:fontRef>
+          </p:style>
+          <p:txBody>
+            <a:bodyPr rtlCol="0" anchor="ctr"/>
+            <a:lstStyle/>
+            <a:p>
+              <a:pPr algn="ctr"/>
+              <a:endParaRPr lang="en-GB"/>
+            </a:p>
+          </p:txBody>
+        </p:sp>
+        <p:pic>
+          <p:nvPicPr>
+            <p:cNvPr id="3" name="Picture 2">
+              <a:extLst>
+                <a:ext uri="{FF2B5EF4-FFF2-40B4-BE49-F238E27FC236}">
+                  <a16:creationId xmlns:a16="http://schemas.microsoft.com/office/drawing/2014/main" id="{D26FE154-690D-4D7D-BB46-6AE611BEF692}"/>
+                </a:ext>
+              </a:extLst>
+            </p:cNvPr>
+            <p:cNvPicPr>
+              <a:picLocks noChangeAspect="1"/>
+            </p:cNvPicPr>
+            <p:nvPr/>
+          </p:nvPicPr>
+          <p:blipFill>
+            <a:blip r:embed="rId3">
+              <a:extLst>
+                <a:ext uri="{28A0092B-C50C-407E-A947-70E740481C1C}">
+                  <a14:useLocalDpi xmlns:a14="http://schemas.microsoft.com/office/drawing/2010/main" val="0"/>
+                </a:ext>
+              </a:extLst>
+            </a:blip>
+            <a:stretch>
+              <a:fillRect/>
+            </a:stretch>
+          </p:blipFill>
+          <p:spPr>
+            <a:xfrm>
+              <a:off x="1479546" y="3216757"/>
+              <a:ext cx="1714286" cy="1714286"/>
+            </a:xfrm>
+            <a:prstGeom prst="rect">
+              <a:avLst/>
+            </a:prstGeom>
+          </p:spPr>
+        </p:pic>
+      </p:grpSp>
+      <p:pic>
+        <p:nvPicPr>
+          <p:cNvPr id="5" name="Picture 4">
+            <a:extLst>
+              <a:ext uri="{FF2B5EF4-FFF2-40B4-BE49-F238E27FC236}">
+                <a16:creationId xmlns:a16="http://schemas.microsoft.com/office/drawing/2014/main" id="{0CFF8845-9E1A-4B91-9AF3-382BC2042515}"/>
+              </a:ext>
+            </a:extLst>
+          </p:cNvPr>
+          <p:cNvPicPr>
+            <a:picLocks noChangeAspect="1"/>
+          </p:cNvPicPr>
+          <p:nvPr/>
+        </p:nvPicPr>
+        <p:blipFill>
+          <a:blip r:embed="rId4"/>
+          <a:stretch>
+            <a:fillRect/>
+          </a:stretch>
+        </p:blipFill>
+        <p:spPr>
+          <a:xfrm>
+            <a:off x="5139557" y="1347141"/>
+            <a:ext cx="1725318" cy="1725318"/>
+          </a:xfrm>
+          <a:prstGeom prst="rect">
+            <a:avLst/>
+          </a:prstGeom>
+        </p:spPr>
+      </p:pic>
+    </p:spTree>
+    <p:extLst>
+      <p:ext uri="{BB962C8B-B14F-4D97-AF65-F5344CB8AC3E}">
+        <p14:creationId xmlns:p14="http://schemas.microsoft.com/office/powerpoint/2010/main" val="448449650"/>
+      </p:ext>
+    </p:extLst>
+  </p:cSld>
+  <p:clrMapOvr>
+    <a:masterClrMapping/>
+  </p:clrMapOvr>
+</p:sld>
+</file>
+
+<file path=ppt/slides/slide3.xml><?xml version="1.0" encoding="utf-8"?>
+<p:sld xmlns:a="http://schemas.openxmlformats.org/drawingml/2006/main" xmlns:r="http://schemas.openxmlformats.org/officeDocument/2006/relationships" xmlns:p="http://schemas.openxmlformats.org/presentationml/2006/main">
+  <p:cSld>
+    <p:spTree>
+      <p:nvGrpSpPr>
+        <p:cNvPr id="1" name=""/>
+        <p:cNvGrpSpPr/>
+        <p:nvPr/>
+      </p:nvGrpSpPr>
+      <p:grpSpPr>
+        <a:xfrm>
+          <a:off x="0" y="0"/>
+          <a:ext cx="0" cy="0"/>
+          <a:chOff x="0" y="0"/>
+          <a:chExt cx="0" cy="0"/>
+        </a:xfrm>
+      </p:grpSpPr>
+      <p:grpSp>
+        <p:nvGrpSpPr>
+          <p:cNvPr id="10" name="Group 9">
+            <a:extLst>
+              <a:ext uri="{FF2B5EF4-FFF2-40B4-BE49-F238E27FC236}">
+                <a16:creationId xmlns:a16="http://schemas.microsoft.com/office/drawing/2014/main" id="{3A774A9D-CFEE-4421-8F11-95A9713702BC}"/>
+              </a:ext>
+            </a:extLst>
+          </p:cNvPr>
+          <p:cNvGrpSpPr/>
+          <p:nvPr/>
+        </p:nvGrpSpPr>
+        <p:grpSpPr>
+          <a:xfrm>
+            <a:off x="1324598" y="1742834"/>
+            <a:ext cx="1466322" cy="1461461"/>
+            <a:chOff x="3024560" y="1550398"/>
+            <a:chExt cx="890955" cy="888003"/>
+          </a:xfrm>
+        </p:grpSpPr>
+        <p:pic>
+          <p:nvPicPr>
+            <p:cNvPr id="9" name="Picture 8">
+              <a:extLst>
+                <a:ext uri="{FF2B5EF4-FFF2-40B4-BE49-F238E27FC236}">
+                  <a16:creationId xmlns:a16="http://schemas.microsoft.com/office/drawing/2014/main" id="{C5A2EE90-B99A-4BFA-B406-5BA7E799AC94}"/>
+                </a:ext>
+              </a:extLst>
+            </p:cNvPr>
+            <p:cNvPicPr>
+              <a:picLocks noChangeAspect="1"/>
+            </p:cNvPicPr>
+            <p:nvPr/>
+          </p:nvPicPr>
+          <p:blipFill rotWithShape="1">
+            <a:blip r:embed="rId2">
+              <a:clrChange>
+                <a:clrFrom>
+                  <a:srgbClr val="FFFFFF"/>
+                </a:clrFrom>
+                <a:clrTo>
+                  <a:srgbClr val="FFFFFF">
+                    <a:alpha val="0"/>
+                  </a:srgbClr>
+                </a:clrTo>
+              </a:clrChange>
+            </a:blip>
+            <a:srcRect l="24825" t="22494" r="23747" b="48388"/>
+            <a:stretch/>
+          </p:blipFill>
+          <p:spPr>
+            <a:xfrm>
+              <a:off x="3206206" y="1550398"/>
+              <a:ext cx="521528" cy="318906"/>
+            </a:xfrm>
+            <a:prstGeom prst="rect">
+              <a:avLst/>
+            </a:prstGeom>
+          </p:spPr>
+        </p:pic>
+        <p:pic>
+          <p:nvPicPr>
+            <p:cNvPr id="4" name="Picture 3">
+              <a:extLst>
+                <a:ext uri="{FF2B5EF4-FFF2-40B4-BE49-F238E27FC236}">
+                  <a16:creationId xmlns:a16="http://schemas.microsoft.com/office/drawing/2014/main" id="{C1AA26E6-EA87-447A-970C-4311C93EE061}"/>
+                </a:ext>
+              </a:extLst>
+            </p:cNvPr>
+            <p:cNvPicPr>
+              <a:picLocks noChangeAspect="1"/>
+            </p:cNvPicPr>
+            <p:nvPr/>
+          </p:nvPicPr>
+          <p:blipFill rotWithShape="1">
+            <a:blip r:embed="rId3">
+              <a:clrChange>
+                <a:clrFrom>
+                  <a:srgbClr val="FFFFFF"/>
+                </a:clrFrom>
+                <a:clrTo>
+                  <a:srgbClr val="FFFFFF">
+                    <a:alpha val="0"/>
+                  </a:srgbClr>
+                </a:clrTo>
+              </a:clrChange>
+              <a:extLst>
+                <a:ext uri="{BEBA8EAE-BF5A-486C-A8C5-ECC9F3942E4B}">
+                  <a14:imgProps xmlns:a14="http://schemas.microsoft.com/office/drawing/2010/main">
+                    <a14:imgLayer r:embed="rId4">
+                      <a14:imgEffect>
+                        <a14:sharpenSoften amount="50000"/>
+                      </a14:imgEffect>
+                    </a14:imgLayer>
+                  </a14:imgProps>
+                </a:ext>
+              </a:extLst>
+            </a:blip>
+            <a:srcRect l="23251" t="31665" r="23072" b="34434"/>
+            <a:stretch/>
+          </p:blipFill>
+          <p:spPr>
+            <a:xfrm>
+              <a:off x="3024560" y="1875693"/>
+              <a:ext cx="890955" cy="562708"/>
+            </a:xfrm>
+            <a:prstGeom prst="rect">
+              <a:avLst/>
+            </a:prstGeom>
+          </p:spPr>
+        </p:pic>
+      </p:grpSp>
+      <p:grpSp>
+        <p:nvGrpSpPr>
+          <p:cNvPr id="14" name="Group 13">
+            <a:extLst>
+              <a:ext uri="{FF2B5EF4-FFF2-40B4-BE49-F238E27FC236}">
+                <a16:creationId xmlns:a16="http://schemas.microsoft.com/office/drawing/2014/main" id="{2715AE2F-E8DD-4F8C-9C0C-2EA0268055E5}"/>
+              </a:ext>
+            </a:extLst>
+          </p:cNvPr>
+          <p:cNvGrpSpPr/>
+          <p:nvPr/>
+        </p:nvGrpSpPr>
+        <p:grpSpPr>
+          <a:xfrm>
+            <a:off x="4563642" y="1397000"/>
+            <a:ext cx="2777428" cy="2777428"/>
+            <a:chOff x="4563642" y="1397000"/>
+            <a:chExt cx="2777428" cy="2777428"/>
+          </a:xfrm>
+        </p:grpSpPr>
+        <p:pic>
+          <p:nvPicPr>
+            <p:cNvPr id="5" name="Picture 4">
+              <a:extLst>
+                <a:ext uri="{FF2B5EF4-FFF2-40B4-BE49-F238E27FC236}">
+                  <a16:creationId xmlns:a16="http://schemas.microsoft.com/office/drawing/2014/main" id="{9C72B55F-EAD5-4CB3-86F5-EF26348BE758}"/>
+                </a:ext>
+              </a:extLst>
+            </p:cNvPr>
+            <p:cNvPicPr>
+              <a:picLocks noChangeAspect="1"/>
+            </p:cNvPicPr>
+            <p:nvPr/>
+          </p:nvPicPr>
+          <p:blipFill>
+            <a:blip r:embed="rId5">
+              <a:clrChange>
+                <a:clrFrom>
+                  <a:srgbClr val="FFFFFF"/>
+                </a:clrFrom>
+                <a:clrTo>
+                  <a:srgbClr val="FFFFFF">
+                    <a:alpha val="0"/>
+                  </a:srgbClr>
+                </a:clrTo>
+              </a:clrChange>
+            </a:blip>
+            <a:stretch>
+              <a:fillRect/>
+            </a:stretch>
+          </p:blipFill>
+          <p:spPr>
+            <a:xfrm>
+              <a:off x="4563642" y="1397000"/>
+              <a:ext cx="2777428" cy="2777428"/>
+            </a:xfrm>
+            <a:prstGeom prst="rect">
+              <a:avLst/>
+            </a:prstGeom>
+          </p:spPr>
+        </p:pic>
+        <p:sp>
+          <p:nvSpPr>
+            <p:cNvPr id="6" name="Rectangle 5">
+              <a:extLst>
+                <a:ext uri="{FF2B5EF4-FFF2-40B4-BE49-F238E27FC236}">
+                  <a16:creationId xmlns:a16="http://schemas.microsoft.com/office/drawing/2014/main" id="{BB32AF2E-94DE-4D95-9746-EBEEE53C7908}"/>
+                </a:ext>
+              </a:extLst>
+            </p:cNvPr>
+            <p:cNvSpPr/>
+            <p:nvPr/>
+          </p:nvSpPr>
+          <p:spPr>
+            <a:xfrm>
+              <a:off x="5306646" y="2274277"/>
+              <a:ext cx="1258277" cy="930031"/>
+            </a:xfrm>
+            <a:prstGeom prst="rect">
+              <a:avLst/>
+            </a:prstGeom>
+            <a:solidFill>
+              <a:schemeClr val="bg1"/>
+            </a:solidFill>
+            <a:ln>
+              <a:solidFill>
+                <a:schemeClr val="bg1"/>
+              </a:solidFill>
+            </a:ln>
+          </p:spPr>
+          <p:style>
+            <a:lnRef idx="2">
+              <a:schemeClr val="accent1">
+                <a:shade val="50000"/>
+              </a:schemeClr>
+            </a:lnRef>
+            <a:fillRef idx="1">
+              <a:schemeClr val="accent1"/>
+            </a:fillRef>
+            <a:effectRef idx="0">
+              <a:schemeClr val="accent1"/>
+            </a:effectRef>
+            <a:fontRef idx="minor">
+              <a:schemeClr val="lt1"/>
+            </a:fontRef>
+          </p:style>
+          <p:txBody>
+            <a:bodyPr rtlCol="0" anchor="ctr"/>
+            <a:lstStyle/>
+            <a:p>
+              <a:pPr algn="ctr"/>
+              <a:endParaRPr lang="en-GB"/>
+            </a:p>
+          </p:txBody>
+        </p:sp>
+        <p:pic>
+          <p:nvPicPr>
+            <p:cNvPr id="12" name="Picture 11">
+              <a:extLst>
+                <a:ext uri="{FF2B5EF4-FFF2-40B4-BE49-F238E27FC236}">
+                  <a16:creationId xmlns:a16="http://schemas.microsoft.com/office/drawing/2014/main" id="{714A0AC9-FE08-47E0-83F9-D01367A2BE00}"/>
+                </a:ext>
+              </a:extLst>
+            </p:cNvPr>
+            <p:cNvPicPr>
+              <a:picLocks noChangeAspect="1"/>
+            </p:cNvPicPr>
+            <p:nvPr/>
+          </p:nvPicPr>
+          <p:blipFill>
+            <a:blip r:embed="rId6">
+              <a:clrChange>
+                <a:clrFrom>
+                  <a:srgbClr val="000000">
+                    <a:alpha val="0"/>
+                  </a:srgbClr>
+                </a:clrFrom>
+                <a:clrTo>
+                  <a:srgbClr val="000000">
+                    <a:alpha val="0"/>
+                  </a:srgbClr>
+                </a:clrTo>
+              </a:clrChange>
+            </a:blip>
+            <a:stretch>
+              <a:fillRect/>
+            </a:stretch>
+          </p:blipFill>
+          <p:spPr>
+            <a:xfrm>
+              <a:off x="5318336" y="2099961"/>
+              <a:ext cx="1265249" cy="1260000"/>
+            </a:xfrm>
+            <a:prstGeom prst="rect">
+              <a:avLst/>
+            </a:prstGeom>
+          </p:spPr>
+        </p:pic>
+      </p:grpSp>
+      <p:grpSp>
+        <p:nvGrpSpPr>
+          <p:cNvPr id="26" name="Group 25">
+            <a:extLst>
+              <a:ext uri="{FF2B5EF4-FFF2-40B4-BE49-F238E27FC236}">
+                <a16:creationId xmlns:a16="http://schemas.microsoft.com/office/drawing/2014/main" id="{52BFDE0C-606D-412C-AC1A-0F3F5E3FE4D2}"/>
+              </a:ext>
+            </a:extLst>
+          </p:cNvPr>
+          <p:cNvGrpSpPr/>
+          <p:nvPr/>
+        </p:nvGrpSpPr>
+        <p:grpSpPr>
+          <a:xfrm>
+            <a:off x="7957093" y="1092160"/>
+            <a:ext cx="1730651" cy="1734455"/>
+            <a:chOff x="7957093" y="1092160"/>
+            <a:chExt cx="1730651" cy="1734455"/>
+          </a:xfrm>
+        </p:grpSpPr>
+        <p:pic>
+          <p:nvPicPr>
+            <p:cNvPr id="22" name="Picture 21">
+              <a:extLst>
+                <a:ext uri="{FF2B5EF4-FFF2-40B4-BE49-F238E27FC236}">
+                  <a16:creationId xmlns:a16="http://schemas.microsoft.com/office/drawing/2014/main" id="{CA8FD606-2DDC-4D48-9E8B-4E150A0D35E1}"/>
+                </a:ext>
+              </a:extLst>
+            </p:cNvPr>
+            <p:cNvPicPr>
+              <a:picLocks noChangeAspect="1"/>
+            </p:cNvPicPr>
+            <p:nvPr/>
+          </p:nvPicPr>
+          <p:blipFill>
+            <a:blip r:embed="rId7">
+              <a:extLst>
+                <a:ext uri="{28A0092B-C50C-407E-A947-70E740481C1C}">
+                  <a14:useLocalDpi xmlns:a14="http://schemas.microsoft.com/office/drawing/2010/main" val="0"/>
+                </a:ext>
+              </a:extLst>
+            </a:blip>
+            <a:stretch>
+              <a:fillRect/>
+            </a:stretch>
+          </p:blipFill>
+          <p:spPr>
+            <a:xfrm>
+              <a:off x="7957093" y="1097130"/>
+              <a:ext cx="1730651" cy="1724514"/>
+            </a:xfrm>
+            <a:prstGeom prst="rect">
+              <a:avLst/>
+            </a:prstGeom>
+          </p:spPr>
+        </p:pic>
+        <p:sp>
+          <p:nvSpPr>
+            <p:cNvPr id="25" name="Rectangle 24">
+              <a:extLst>
+                <a:ext uri="{FF2B5EF4-FFF2-40B4-BE49-F238E27FC236}">
+                  <a16:creationId xmlns:a16="http://schemas.microsoft.com/office/drawing/2014/main" id="{E145E700-47FD-4DAF-A012-C65105C7BE39}"/>
+                </a:ext>
+              </a:extLst>
+            </p:cNvPr>
+            <p:cNvSpPr/>
+            <p:nvPr/>
+          </p:nvSpPr>
+          <p:spPr>
+            <a:xfrm>
+              <a:off x="8089965" y="1235978"/>
+              <a:ext cx="1464906" cy="1446818"/>
+            </a:xfrm>
+            <a:prstGeom prst="rect">
+              <a:avLst/>
+            </a:prstGeom>
+            <a:solidFill>
+              <a:schemeClr val="bg1"/>
+            </a:solidFill>
+            <a:ln>
+              <a:solidFill>
+                <a:schemeClr val="bg1"/>
+              </a:solidFill>
+            </a:ln>
+          </p:spPr>
+          <p:style>
+            <a:lnRef idx="2">
+              <a:schemeClr val="accent1">
+                <a:shade val="50000"/>
+              </a:schemeClr>
+            </a:lnRef>
+            <a:fillRef idx="1">
+              <a:schemeClr val="accent1"/>
+            </a:fillRef>
+            <a:effectRef idx="0">
+              <a:schemeClr val="accent1"/>
+            </a:effectRef>
+            <a:fontRef idx="minor">
+              <a:schemeClr val="lt1"/>
+            </a:fontRef>
+          </p:style>
+          <p:txBody>
+            <a:bodyPr rtlCol="0" anchor="ctr"/>
+            <a:lstStyle/>
+            <a:p>
+              <a:pPr algn="ctr"/>
+              <a:endParaRPr lang="en-GB"/>
+            </a:p>
+          </p:txBody>
+        </p:sp>
+        <p:pic>
+          <p:nvPicPr>
+            <p:cNvPr id="20" name="Picture 19">
+              <a:extLst>
+                <a:ext uri="{FF2B5EF4-FFF2-40B4-BE49-F238E27FC236}">
+                  <a16:creationId xmlns:a16="http://schemas.microsoft.com/office/drawing/2014/main" id="{7597B2EF-7339-4781-89FF-67E40404B8AC}"/>
+                </a:ext>
+              </a:extLst>
+            </p:cNvPr>
+            <p:cNvPicPr>
+              <a:picLocks noChangeAspect="1"/>
+            </p:cNvPicPr>
+            <p:nvPr/>
+          </p:nvPicPr>
+          <p:blipFill>
+            <a:blip r:embed="rId8">
+              <a:grayscl/>
+            </a:blip>
+            <a:stretch>
+              <a:fillRect/>
+            </a:stretch>
+          </p:blipFill>
+          <p:spPr>
+            <a:xfrm>
+              <a:off x="7957093" y="1092160"/>
+              <a:ext cx="1730651" cy="1734455"/>
+            </a:xfrm>
+            <a:prstGeom prst="rect">
+              <a:avLst/>
+            </a:prstGeom>
+          </p:spPr>
+        </p:pic>
+      </p:grpSp>
+      <p:pic>
+        <p:nvPicPr>
+          <p:cNvPr id="33" name="Picture 32">
+            <a:extLst>
+              <a:ext uri="{FF2B5EF4-FFF2-40B4-BE49-F238E27FC236}">
+                <a16:creationId xmlns:a16="http://schemas.microsoft.com/office/drawing/2014/main" id="{4D476DFA-5418-4DCC-ABA7-66A294CF280A}"/>
+              </a:ext>
+            </a:extLst>
+          </p:cNvPr>
+          <p:cNvPicPr>
+            <a:picLocks noChangeAspect="1"/>
+          </p:cNvPicPr>
+          <p:nvPr/>
+        </p:nvPicPr>
+        <p:blipFill rotWithShape="1">
+          <a:blip r:embed="rId9">
+            <a:clrChange>
+              <a:clrFrom>
+                <a:srgbClr val="FFFFFF"/>
+              </a:clrFrom>
+              <a:clrTo>
+                <a:srgbClr val="FFFFFF">
+                  <a:alpha val="0"/>
+                </a:srgbClr>
+              </a:clrTo>
+            </a:clrChange>
+          </a:blip>
+          <a:srcRect l="3594" t="34780" r="19275" b="37198"/>
+          <a:stretch/>
+        </p:blipFill>
+        <p:spPr>
+          <a:xfrm>
+            <a:off x="645453" y="3824410"/>
+            <a:ext cx="3672840" cy="1334330"/>
+          </a:xfrm>
+          <a:prstGeom prst="rect">
+            <a:avLst/>
+          </a:prstGeom>
+        </p:spPr>
+      </p:pic>
+    </p:spTree>
+    <p:extLst>
+      <p:ext uri="{BB962C8B-B14F-4D97-AF65-F5344CB8AC3E}">
+        <p14:creationId xmlns:p14="http://schemas.microsoft.com/office/powerpoint/2010/main" val="3672572356"/>
       </p:ext>
     </p:extLst>
   </p:cSld>
